--- a/Gestion de projet & rapport projet Robot R2D2/docs divers/Synoptique fonctionnel.pptx
+++ b/Gestion de projet & rapport projet Robot R2D2/docs divers/Synoptique fonctionnel.pptx
@@ -243,7 +243,7 @@
           <a:p>
             <a:fld id="{462D0E19-D3AC-4FA8-A43F-E842AD27AB51}" type="datetimeFigureOut">
               <a:rPr lang="fr-FR" smtClean="0"/>
-              <a:t>08/01/2016</a:t>
+              <a:t>23/02/2016</a:t>
             </a:fld>
             <a:endParaRPr lang="fr-FR"/>
           </a:p>
@@ -413,7 +413,7 @@
           <a:p>
             <a:fld id="{462D0E19-D3AC-4FA8-A43F-E842AD27AB51}" type="datetimeFigureOut">
               <a:rPr lang="fr-FR" smtClean="0"/>
-              <a:t>08/01/2016</a:t>
+              <a:t>23/02/2016</a:t>
             </a:fld>
             <a:endParaRPr lang="fr-FR"/>
           </a:p>
@@ -593,7 +593,7 @@
           <a:p>
             <a:fld id="{462D0E19-D3AC-4FA8-A43F-E842AD27AB51}" type="datetimeFigureOut">
               <a:rPr lang="fr-FR" smtClean="0"/>
-              <a:t>08/01/2016</a:t>
+              <a:t>23/02/2016</a:t>
             </a:fld>
             <a:endParaRPr lang="fr-FR"/>
           </a:p>
@@ -763,7 +763,7 @@
           <a:p>
             <a:fld id="{462D0E19-D3AC-4FA8-A43F-E842AD27AB51}" type="datetimeFigureOut">
               <a:rPr lang="fr-FR" smtClean="0"/>
-              <a:t>08/01/2016</a:t>
+              <a:t>23/02/2016</a:t>
             </a:fld>
             <a:endParaRPr lang="fr-FR"/>
           </a:p>
@@ -1009,7 +1009,7 @@
           <a:p>
             <a:fld id="{462D0E19-D3AC-4FA8-A43F-E842AD27AB51}" type="datetimeFigureOut">
               <a:rPr lang="fr-FR" smtClean="0"/>
-              <a:t>08/01/2016</a:t>
+              <a:t>23/02/2016</a:t>
             </a:fld>
             <a:endParaRPr lang="fr-FR"/>
           </a:p>
@@ -1241,7 +1241,7 @@
           <a:p>
             <a:fld id="{462D0E19-D3AC-4FA8-A43F-E842AD27AB51}" type="datetimeFigureOut">
               <a:rPr lang="fr-FR" smtClean="0"/>
-              <a:t>08/01/2016</a:t>
+              <a:t>23/02/2016</a:t>
             </a:fld>
             <a:endParaRPr lang="fr-FR"/>
           </a:p>
@@ -1608,7 +1608,7 @@
           <a:p>
             <a:fld id="{462D0E19-D3AC-4FA8-A43F-E842AD27AB51}" type="datetimeFigureOut">
               <a:rPr lang="fr-FR" smtClean="0"/>
-              <a:t>08/01/2016</a:t>
+              <a:t>23/02/2016</a:t>
             </a:fld>
             <a:endParaRPr lang="fr-FR"/>
           </a:p>
@@ -1726,7 +1726,7 @@
           <a:p>
             <a:fld id="{462D0E19-D3AC-4FA8-A43F-E842AD27AB51}" type="datetimeFigureOut">
               <a:rPr lang="fr-FR" smtClean="0"/>
-              <a:t>08/01/2016</a:t>
+              <a:t>23/02/2016</a:t>
             </a:fld>
             <a:endParaRPr lang="fr-FR"/>
           </a:p>
@@ -1821,7 +1821,7 @@
           <a:p>
             <a:fld id="{462D0E19-D3AC-4FA8-A43F-E842AD27AB51}" type="datetimeFigureOut">
               <a:rPr lang="fr-FR" smtClean="0"/>
-              <a:t>08/01/2016</a:t>
+              <a:t>23/02/2016</a:t>
             </a:fld>
             <a:endParaRPr lang="fr-FR"/>
           </a:p>
@@ -2098,7 +2098,7 @@
           <a:p>
             <a:fld id="{462D0E19-D3AC-4FA8-A43F-E842AD27AB51}" type="datetimeFigureOut">
               <a:rPr lang="fr-FR" smtClean="0"/>
-              <a:t>08/01/2016</a:t>
+              <a:t>23/02/2016</a:t>
             </a:fld>
             <a:endParaRPr lang="fr-FR"/>
           </a:p>
@@ -2351,7 +2351,7 @@
           <a:p>
             <a:fld id="{462D0E19-D3AC-4FA8-A43F-E842AD27AB51}" type="datetimeFigureOut">
               <a:rPr lang="fr-FR" smtClean="0"/>
-              <a:t>08/01/2016</a:t>
+              <a:t>23/02/2016</a:t>
             </a:fld>
             <a:endParaRPr lang="fr-FR"/>
           </a:p>
@@ -2564,7 +2564,7 @@
           <a:p>
             <a:fld id="{462D0E19-D3AC-4FA8-A43F-E842AD27AB51}" type="datetimeFigureOut">
               <a:rPr lang="fr-FR" smtClean="0"/>
-              <a:t>08/01/2016</a:t>
+              <a:t>23/02/2016</a:t>
             </a:fld>
             <a:endParaRPr lang="fr-FR"/>
           </a:p>
@@ -3315,11 +3315,7 @@
             <a:pPr algn="ctr"/>
             <a:r>
               <a:rPr lang="fr-FR" dirty="0" smtClean="0"/>
-              <a:t>Carte </a:t>
-            </a:r>
-            <a:r>
-              <a:rPr lang="fr-FR" dirty="0" err="1" smtClean="0"/>
-              <a:t>Beaglebone</a:t>
+              <a:t>Carte Beaglebone</a:t>
             </a:r>
             <a:endParaRPr lang="fr-FR" dirty="0"/>
           </a:p>
